--- a/Diplomski Prez.pptx
+++ b/Diplomski Prez.pptx
@@ -5,7 +5,7 @@
     <p:sldMasterId id="2147483695" r:id="rId1"/>
   </p:sldMasterIdLst>
   <p:notesMasterIdLst>
-    <p:notesMasterId r:id="rId8"/>
+    <p:notesMasterId r:id="rId12"/>
   </p:notesMasterIdLst>
   <p:sldIdLst>
     <p:sldId id="256" r:id="rId2"/>
@@ -14,6 +14,10 @@
     <p:sldId id="259" r:id="rId5"/>
     <p:sldId id="260" r:id="rId6"/>
     <p:sldId id="261" r:id="rId7"/>
+    <p:sldId id="262" r:id="rId8"/>
+    <p:sldId id="263" r:id="rId9"/>
+    <p:sldId id="264" r:id="rId10"/>
+    <p:sldId id="265" r:id="rId11"/>
   </p:sldIdLst>
   <p:sldSz cx="12192000" cy="6858000"/>
   <p:notesSz cx="6858000" cy="9144000"/>
@@ -112,6 +116,14 @@
       </a:defRPr>
     </a:lvl9pPr>
   </p:defaultTextStyle>
+  <p:extLst>
+    <p:ext uri="{EFAFB233-063F-42B5-8137-9DF3F51BA10A}">
+      <p15:sldGuideLst xmlns:p15="http://schemas.microsoft.com/office/powerpoint/2012/main"/>
+    </p:ext>
+    <p:ext uri="{2D200454-40CA-4A62-9FC3-DE9A4176ACB9}">
+      <p15:notesGuideLst xmlns:p15="http://schemas.microsoft.com/office/powerpoint/2012/main"/>
+    </p:ext>
+  </p:extLst>
 </p:presentation>
 </file>
 
@@ -197,7 +209,7 @@
           <a:p>
             <a:fld id="{0138BB14-4496-4C6F-9AE0-5EA771D1C898}" type="datetimeFigureOut">
               <a:rPr lang="en-US" smtClean="0"/>
-              <a:t>9/28/2024</a:t>
+              <a:t>9/29/2024</a:t>
             </a:fld>
             <a:endParaRPr lang="en-US"/>
           </a:p>
@@ -1461,7 +1473,7 @@
           <a:p>
             <a:fld id="{1BF0E9CA-0AF4-463F-9065-585BE5EBCA9D}" type="datetimeFigureOut">
               <a:rPr lang="en-US" smtClean="0"/>
-              <a:t>9/28/2024</a:t>
+              <a:t>9/29/2024</a:t>
             </a:fld>
             <a:endParaRPr lang="en-US"/>
           </a:p>
@@ -1712,7 +1724,7 @@
           <a:p>
             <a:fld id="{1BF0E9CA-0AF4-463F-9065-585BE5EBCA9D}" type="datetimeFigureOut">
               <a:rPr lang="en-US" smtClean="0"/>
-              <a:t>9/28/2024</a:t>
+              <a:t>9/29/2024</a:t>
             </a:fld>
             <a:endParaRPr lang="en-US"/>
           </a:p>
@@ -2026,7 +2038,7 @@
           <a:p>
             <a:fld id="{1BF0E9CA-0AF4-463F-9065-585BE5EBCA9D}" type="datetimeFigureOut">
               <a:rPr lang="en-US" smtClean="0"/>
-              <a:t>9/28/2024</a:t>
+              <a:t>9/29/2024</a:t>
             </a:fld>
             <a:endParaRPr lang="en-US"/>
           </a:p>
@@ -2359,7 +2371,7 @@
           <a:p>
             <a:fld id="{1BF0E9CA-0AF4-463F-9065-585BE5EBCA9D}" type="datetimeFigureOut">
               <a:rPr lang="en-US" smtClean="0"/>
-              <a:t>9/28/2024</a:t>
+              <a:t>9/29/2024</a:t>
             </a:fld>
             <a:endParaRPr lang="en-US"/>
           </a:p>
@@ -2673,7 +2685,7 @@
           <a:p>
             <a:fld id="{1BF0E9CA-0AF4-463F-9065-585BE5EBCA9D}" type="datetimeFigureOut">
               <a:rPr lang="en-US" smtClean="0"/>
-              <a:t>9/28/2024</a:t>
+              <a:t>9/29/2024</a:t>
             </a:fld>
             <a:endParaRPr lang="en-US"/>
           </a:p>
@@ -3066,7 +3078,7 @@
           <a:p>
             <a:fld id="{1BF0E9CA-0AF4-463F-9065-585BE5EBCA9D}" type="datetimeFigureOut">
               <a:rPr lang="en-US" smtClean="0"/>
-              <a:t>9/28/2024</a:t>
+              <a:t>9/29/2024</a:t>
             </a:fld>
             <a:endParaRPr lang="en-US"/>
           </a:p>
@@ -3236,7 +3248,7 @@
           <a:p>
             <a:fld id="{1BF0E9CA-0AF4-463F-9065-585BE5EBCA9D}" type="datetimeFigureOut">
               <a:rPr lang="en-US" smtClean="0"/>
-              <a:t>9/28/2024</a:t>
+              <a:t>9/29/2024</a:t>
             </a:fld>
             <a:endParaRPr lang="en-US"/>
           </a:p>
@@ -3416,7 +3428,7 @@
           <a:p>
             <a:fld id="{1BF0E9CA-0AF4-463F-9065-585BE5EBCA9D}" type="datetimeFigureOut">
               <a:rPr lang="en-US" smtClean="0"/>
-              <a:t>9/28/2024</a:t>
+              <a:t>9/29/2024</a:t>
             </a:fld>
             <a:endParaRPr lang="en-US"/>
           </a:p>
@@ -3586,7 +3598,7 @@
           <a:p>
             <a:fld id="{1BF0E9CA-0AF4-463F-9065-585BE5EBCA9D}" type="datetimeFigureOut">
               <a:rPr lang="en-US" smtClean="0"/>
-              <a:t>9/28/2024</a:t>
+              <a:t>9/29/2024</a:t>
             </a:fld>
             <a:endParaRPr lang="en-US"/>
           </a:p>
@@ -3833,7 +3845,7 @@
           <a:p>
             <a:fld id="{1BF0E9CA-0AF4-463F-9065-585BE5EBCA9D}" type="datetimeFigureOut">
               <a:rPr lang="en-US" smtClean="0"/>
-              <a:t>9/28/2024</a:t>
+              <a:t>9/29/2024</a:t>
             </a:fld>
             <a:endParaRPr lang="en-US"/>
           </a:p>
@@ -4065,7 +4077,7 @@
           <a:p>
             <a:fld id="{1BF0E9CA-0AF4-463F-9065-585BE5EBCA9D}" type="datetimeFigureOut">
               <a:rPr lang="en-US" smtClean="0"/>
-              <a:t>9/28/2024</a:t>
+              <a:t>9/29/2024</a:t>
             </a:fld>
             <a:endParaRPr lang="en-US"/>
           </a:p>
@@ -4439,7 +4451,7 @@
           <a:p>
             <a:fld id="{1BF0E9CA-0AF4-463F-9065-585BE5EBCA9D}" type="datetimeFigureOut">
               <a:rPr lang="en-US" smtClean="0"/>
-              <a:t>9/28/2024</a:t>
+              <a:t>9/29/2024</a:t>
             </a:fld>
             <a:endParaRPr lang="en-US"/>
           </a:p>
@@ -4562,7 +4574,7 @@
           <a:p>
             <a:fld id="{1BF0E9CA-0AF4-463F-9065-585BE5EBCA9D}" type="datetimeFigureOut">
               <a:rPr lang="en-US" smtClean="0"/>
-              <a:t>9/28/2024</a:t>
+              <a:t>9/29/2024</a:t>
             </a:fld>
             <a:endParaRPr lang="en-US"/>
           </a:p>
@@ -4657,7 +4669,7 @@
           <a:p>
             <a:fld id="{1BF0E9CA-0AF4-463F-9065-585BE5EBCA9D}" type="datetimeFigureOut">
               <a:rPr lang="en-US" smtClean="0"/>
-              <a:t>9/28/2024</a:t>
+              <a:t>9/29/2024</a:t>
             </a:fld>
             <a:endParaRPr lang="en-US"/>
           </a:p>
@@ -4912,7 +4924,7 @@
           <a:p>
             <a:fld id="{1BF0E9CA-0AF4-463F-9065-585BE5EBCA9D}" type="datetimeFigureOut">
               <a:rPr lang="en-US" smtClean="0"/>
-              <a:t>9/28/2024</a:t>
+              <a:t>9/29/2024</a:t>
             </a:fld>
             <a:endParaRPr lang="en-US"/>
           </a:p>
@@ -5217,7 +5229,7 @@
           <a:p>
             <a:fld id="{1BF0E9CA-0AF4-463F-9065-585BE5EBCA9D}" type="datetimeFigureOut">
               <a:rPr lang="en-US" smtClean="0"/>
-              <a:t>9/28/2024</a:t>
+              <a:t>9/29/2024</a:t>
             </a:fld>
             <a:endParaRPr lang="en-US"/>
           </a:p>
@@ -5919,7 +5931,7 @@
           <a:p>
             <a:fld id="{1BF0E9CA-0AF4-463F-9065-585BE5EBCA9D}" type="datetimeFigureOut">
               <a:rPr lang="en-US" smtClean="0"/>
-              <a:t>9/28/2024</a:t>
+              <a:t>9/29/2024</a:t>
             </a:fld>
             <a:endParaRPr lang="en-US"/>
           </a:p>
@@ -6479,6 +6491,15 @@
               </a:rPr>
               <a:t>RETRIEVAL-AUGMENTED GENERATION (RAG) TEHNIKA ZA UNAPREĐENJE CHATBOT APLIKACIJE</a:t>
             </a:r>
+            <a:r>
+              <a:rPr lang="en-US" sz="2800" kern="100" dirty="0">
+                <a:effectLst/>
+                <a:latin typeface="Calibri" panose="020F0502020204030204" pitchFamily="34" charset="0"/>
+                <a:ea typeface="Calibri" panose="020F0502020204030204" pitchFamily="34" charset="0"/>
+                <a:cs typeface="Times New Roman" panose="02020603050405020304" pitchFamily="18" charset="0"/>
+              </a:rPr>
+              <a:t/>
+            </a:r>
             <a:br>
               <a:rPr lang="en-US" sz="2800" kern="100" dirty="0">
                 <a:effectLst/>
@@ -7096,6 +7117,81 @@
     <p:extLst>
       <p:ext uri="{BB962C8B-B14F-4D97-AF65-F5344CB8AC3E}">
         <p14:creationId xmlns:p14="http://schemas.microsoft.com/office/powerpoint/2010/main" val="3254964447"/>
+      </p:ext>
+    </p:extLst>
+  </p:cSld>
+  <p:clrMapOvr>
+    <a:masterClrMapping/>
+  </p:clrMapOvr>
+  <p:timing>
+    <p:tnLst>
+      <p:par>
+        <p:cTn id="1" dur="indefinite" restart="never" nodeType="tmRoot"/>
+      </p:par>
+    </p:tnLst>
+  </p:timing>
+</p:sld>
+</file>
+
+<file path=ppt/slides/slide10.xml><?xml version="1.0" encoding="utf-8"?>
+<p:sld xmlns:a="http://schemas.openxmlformats.org/drawingml/2006/main" xmlns:r="http://schemas.openxmlformats.org/officeDocument/2006/relationships" xmlns:p="http://schemas.openxmlformats.org/presentationml/2006/main">
+  <p:cSld>
+    <p:spTree>
+      <p:nvGrpSpPr>
+        <p:cNvPr id="1" name=""/>
+        <p:cNvGrpSpPr/>
+        <p:nvPr/>
+      </p:nvGrpSpPr>
+      <p:grpSpPr>
+        <a:xfrm>
+          <a:off x="0" y="0"/>
+          <a:ext cx="0" cy="0"/>
+          <a:chOff x="0" y="0"/>
+          <a:chExt cx="0" cy="0"/>
+        </a:xfrm>
+      </p:grpSpPr>
+      <p:sp>
+        <p:nvSpPr>
+          <p:cNvPr id="2" name="Title 1"/>
+          <p:cNvSpPr>
+            <a:spLocks noGrp="1"/>
+          </p:cNvSpPr>
+          <p:nvPr>
+            <p:ph type="title"/>
+          </p:nvPr>
+        </p:nvSpPr>
+        <p:spPr/>
+        <p:txBody>
+          <a:bodyPr/>
+          <a:lstStyle/>
+          <a:p>
+            <a:endParaRPr lang="en-US"/>
+          </a:p>
+        </p:txBody>
+      </p:sp>
+      <p:sp>
+        <p:nvSpPr>
+          <p:cNvPr id="3" name="Content Placeholder 2"/>
+          <p:cNvSpPr>
+            <a:spLocks noGrp="1"/>
+          </p:cNvSpPr>
+          <p:nvPr>
+            <p:ph idx="1"/>
+          </p:nvPr>
+        </p:nvSpPr>
+        <p:spPr/>
+        <p:txBody>
+          <a:bodyPr/>
+          <a:lstStyle/>
+          <a:p>
+            <a:endParaRPr lang="en-US"/>
+          </a:p>
+        </p:txBody>
+      </p:sp>
+    </p:spTree>
+    <p:extLst>
+      <p:ext uri="{BB962C8B-B14F-4D97-AF65-F5344CB8AC3E}">
+        <p14:creationId xmlns:p14="http://schemas.microsoft.com/office/powerpoint/2010/main" val="3491569197"/>
       </p:ext>
     </p:extLst>
   </p:cSld>
@@ -7150,15 +7246,31 @@
           </a:bodyPr>
           <a:lstStyle/>
           <a:p>
+            <a:r>
+              <a:rPr lang="sr-Latn-RS" dirty="0"/>
+              <a:t/>
+            </a:r>
             <a:br>
               <a:rPr lang="sr-Latn-RS" dirty="0"/>
             </a:br>
+            <a:r>
+              <a:rPr lang="sr-Latn-RS" dirty="0"/>
+              <a:t/>
+            </a:r>
             <a:br>
               <a:rPr lang="sr-Latn-RS" dirty="0"/>
             </a:br>
+            <a:r>
+              <a:rPr lang="sr-Latn-RS" dirty="0"/>
+              <a:t/>
+            </a:r>
             <a:br>
               <a:rPr lang="sr-Latn-RS" dirty="0"/>
             </a:br>
+            <a:r>
+              <a:rPr lang="sr-Latn-RS" dirty="0"/>
+              <a:t/>
+            </a:r>
             <a:br>
               <a:rPr lang="sr-Latn-RS" dirty="0"/>
             </a:br>
@@ -7341,12 +7453,24 @@
             <a:br>
               <a:rPr lang="sr-Latn-RS" sz="2800" dirty="0"/>
             </a:br>
+            <a:r>
+              <a:rPr lang="sr-Latn-RS" sz="2800" dirty="0"/>
+              <a:t/>
+            </a:r>
             <a:br>
               <a:rPr lang="sr-Latn-RS" sz="2800" dirty="0"/>
             </a:br>
+            <a:r>
+              <a:rPr lang="sr-Latn-RS" sz="2800" dirty="0"/>
+              <a:t/>
+            </a:r>
             <a:br>
               <a:rPr lang="sr-Latn-RS" sz="2800" dirty="0"/>
             </a:br>
+            <a:r>
+              <a:rPr lang="sr-Latn-RS" sz="2800" dirty="0"/>
+              <a:t/>
+            </a:r>
             <a:br>
               <a:rPr lang="sr-Latn-RS" sz="2800" dirty="0"/>
             </a:br>
@@ -7364,6 +7488,13 @@
   <p:clrMapOvr>
     <a:masterClrMapping/>
   </p:clrMapOvr>
+  <p:timing>
+    <p:tnLst>
+      <p:par>
+        <p:cTn id="1" dur="indefinite" restart="never" nodeType="tmRoot"/>
+      </p:par>
+    </p:tnLst>
+  </p:timing>
 </p:sld>
 </file>
 
@@ -7523,6 +7654,13 @@
   <p:clrMapOvr>
     <a:masterClrMapping/>
   </p:clrMapOvr>
+  <p:timing>
+    <p:tnLst>
+      <p:par>
+        <p:cTn id="1" dur="indefinite" restart="never" nodeType="tmRoot"/>
+      </p:par>
+    </p:tnLst>
+  </p:timing>
 </p:sld>
 </file>
 
@@ -7769,6 +7907,13 @@
   <p:clrMapOvr>
     <a:masterClrMapping/>
   </p:clrMapOvr>
+  <p:timing>
+    <p:tnLst>
+      <p:par>
+        <p:cTn id="1" dur="indefinite" restart="never" nodeType="tmRoot"/>
+      </p:par>
+    </p:tnLst>
+  </p:timing>
 </p:sld>
 </file>
 
@@ -8681,6 +8826,13 @@
   <p:clrMapOvr>
     <a:masterClrMapping/>
   </p:clrMapOvr>
+  <p:timing>
+    <p:tnLst>
+      <p:par>
+        <p:cTn id="1" dur="indefinite" restart="never" nodeType="tmRoot"/>
+      </p:par>
+    </p:tnLst>
+  </p:timing>
 </p:sld>
 </file>
 
@@ -8812,8 +8964,8 @@
         </p:blipFill>
         <p:spPr>
           <a:xfrm>
-            <a:off x="1236502" y="3429000"/>
-            <a:ext cx="7510334" cy="3185017"/>
+            <a:off x="956424" y="3325091"/>
+            <a:ext cx="8038488" cy="3408999"/>
           </a:xfrm>
           <a:prstGeom prst="rect">
             <a:avLst/>
@@ -8824,6 +8976,646 @@
     <p:extLst>
       <p:ext uri="{BB962C8B-B14F-4D97-AF65-F5344CB8AC3E}">
         <p14:creationId xmlns:p14="http://schemas.microsoft.com/office/powerpoint/2010/main" val="4204879593"/>
+      </p:ext>
+    </p:extLst>
+  </p:cSld>
+  <p:clrMapOvr>
+    <a:masterClrMapping/>
+  </p:clrMapOvr>
+  <p:timing>
+    <p:tnLst>
+      <p:par>
+        <p:cTn id="1" dur="indefinite" restart="never" nodeType="tmRoot"/>
+      </p:par>
+    </p:tnLst>
+  </p:timing>
+</p:sld>
+</file>
+
+<file path=ppt/slides/slide7.xml><?xml version="1.0" encoding="utf-8"?>
+<p:sld xmlns:a="http://schemas.openxmlformats.org/drawingml/2006/main" xmlns:r="http://schemas.openxmlformats.org/officeDocument/2006/relationships" xmlns:p="http://schemas.openxmlformats.org/presentationml/2006/main">
+  <p:cSld>
+    <p:spTree>
+      <p:nvGrpSpPr>
+        <p:cNvPr id="1" name=""/>
+        <p:cNvGrpSpPr/>
+        <p:nvPr/>
+      </p:nvGrpSpPr>
+      <p:grpSpPr>
+        <a:xfrm>
+          <a:off x="0" y="0"/>
+          <a:ext cx="0" cy="0"/>
+          <a:chOff x="0" y="0"/>
+          <a:chExt cx="0" cy="0"/>
+        </a:xfrm>
+      </p:grpSpPr>
+      <p:sp>
+        <p:nvSpPr>
+          <p:cNvPr id="2" name="Title 1"/>
+          <p:cNvSpPr>
+            <a:spLocks noGrp="1"/>
+          </p:cNvSpPr>
+          <p:nvPr>
+            <p:ph type="title"/>
+          </p:nvPr>
+        </p:nvSpPr>
+        <p:spPr>
+          <a:xfrm>
+            <a:off x="677335" y="127377"/>
+            <a:ext cx="8854592" cy="860914"/>
+          </a:xfrm>
+        </p:spPr>
+        <p:txBody>
+          <a:bodyPr>
+            <a:normAutofit fontScale="90000"/>
+          </a:bodyPr>
+          <a:lstStyle/>
+          <a:p>
+            <a:pPr algn="ctr"/>
+            <a:r>
+              <a:rPr lang="en-US" dirty="0" err="1" smtClean="0"/>
+              <a:t>Napredni</a:t>
+            </a:r>
+            <a:r>
+              <a:rPr lang="en-US" dirty="0" smtClean="0"/>
+              <a:t> RAG system (Advanced RAG pipeline)</a:t>
+            </a:r>
+            <a:endParaRPr lang="en-US" dirty="0"/>
+          </a:p>
+        </p:txBody>
+      </p:sp>
+      <p:sp>
+        <p:nvSpPr>
+          <p:cNvPr id="3" name="Content Placeholder 2"/>
+          <p:cNvSpPr>
+            <a:spLocks noGrp="1"/>
+          </p:cNvSpPr>
+          <p:nvPr>
+            <p:ph idx="1"/>
+          </p:nvPr>
+        </p:nvSpPr>
+        <p:spPr/>
+        <p:txBody>
+          <a:bodyPr/>
+          <a:lstStyle/>
+          <a:p>
+            <a:endParaRPr lang="en-US"/>
+          </a:p>
+        </p:txBody>
+      </p:sp>
+      <p:pic>
+        <p:nvPicPr>
+          <p:cNvPr id="4" name="Picture 3" descr="A diagram of a process&#10;&#10;Description automatically generated"/>
+          <p:cNvPicPr/>
+          <p:nvPr/>
+        </p:nvPicPr>
+        <p:blipFill>
+          <a:blip r:embed="rId2"/>
+          <a:stretch>
+            <a:fillRect/>
+          </a:stretch>
+        </p:blipFill>
+        <p:spPr>
+          <a:xfrm>
+            <a:off x="677334" y="868218"/>
+            <a:ext cx="8485830" cy="5761499"/>
+          </a:xfrm>
+          <a:prstGeom prst="rect">
+            <a:avLst/>
+          </a:prstGeom>
+        </p:spPr>
+      </p:pic>
+    </p:spTree>
+    <p:extLst>
+      <p:ext uri="{BB962C8B-B14F-4D97-AF65-F5344CB8AC3E}">
+        <p14:creationId xmlns:p14="http://schemas.microsoft.com/office/powerpoint/2010/main" val="1789009678"/>
+      </p:ext>
+    </p:extLst>
+  </p:cSld>
+  <p:clrMapOvr>
+    <a:masterClrMapping/>
+  </p:clrMapOvr>
+  <p:timing>
+    <p:tnLst>
+      <p:par>
+        <p:cTn id="1" dur="indefinite" restart="never" nodeType="tmRoot"/>
+      </p:par>
+    </p:tnLst>
+  </p:timing>
+</p:sld>
+</file>
+
+<file path=ppt/slides/slide8.xml><?xml version="1.0" encoding="utf-8"?>
+<p:sld xmlns:a="http://schemas.openxmlformats.org/drawingml/2006/main" xmlns:r="http://schemas.openxmlformats.org/officeDocument/2006/relationships" xmlns:p="http://schemas.openxmlformats.org/presentationml/2006/main">
+  <p:cSld>
+    <p:spTree>
+      <p:nvGrpSpPr>
+        <p:cNvPr id="1" name=""/>
+        <p:cNvGrpSpPr/>
+        <p:nvPr/>
+      </p:nvGrpSpPr>
+      <p:grpSpPr>
+        <a:xfrm>
+          <a:off x="0" y="0"/>
+          <a:ext cx="0" cy="0"/>
+          <a:chOff x="0" y="0"/>
+          <a:chExt cx="0" cy="0"/>
+        </a:xfrm>
+      </p:grpSpPr>
+      <p:sp>
+        <p:nvSpPr>
+          <p:cNvPr id="2" name="Title 1"/>
+          <p:cNvSpPr>
+            <a:spLocks noGrp="1"/>
+          </p:cNvSpPr>
+          <p:nvPr>
+            <p:ph type="title"/>
+          </p:nvPr>
+        </p:nvSpPr>
+        <p:spPr>
+          <a:xfrm>
+            <a:off x="677334" y="839789"/>
+            <a:ext cx="8596668" cy="1320800"/>
+          </a:xfrm>
+        </p:spPr>
+        <p:txBody>
+          <a:bodyPr>
+            <a:normAutofit/>
+          </a:bodyPr>
+          <a:lstStyle/>
+          <a:p>
+            <a:pPr algn="ctr"/>
+            <a:r>
+              <a:rPr lang="en-US" sz="2800" dirty="0" err="1" smtClean="0"/>
+              <a:t>Prevo</a:t>
+            </a:r>
+            <a:r>
+              <a:rPr lang="sr-Latn-RS" sz="2800" dirty="0" smtClean="0"/>
+              <a:t>đenje upita (Querry translation)</a:t>
+            </a:r>
+            <a:endParaRPr lang="en-US" sz="2800" dirty="0"/>
+          </a:p>
+        </p:txBody>
+      </p:sp>
+      <p:sp>
+        <p:nvSpPr>
+          <p:cNvPr id="3" name="Content Placeholder 2"/>
+          <p:cNvSpPr>
+            <a:spLocks noGrp="1"/>
+          </p:cNvSpPr>
+          <p:nvPr>
+            <p:ph idx="1"/>
+          </p:nvPr>
+        </p:nvSpPr>
+        <p:spPr>
+          <a:xfrm>
+            <a:off x="677334" y="2262189"/>
+            <a:ext cx="8596668" cy="3880773"/>
+          </a:xfrm>
+        </p:spPr>
+        <p:txBody>
+          <a:bodyPr/>
+          <a:lstStyle/>
+          <a:p>
+            <a:r>
+              <a:rPr lang="sr-Latn-RS" dirty="0" smtClean="0"/>
+              <a:t>Proces transformisanja inicijalnog upita u cilju poboljšanja procesas pretrage</a:t>
+            </a:r>
+          </a:p>
+          <a:p>
+            <a:endParaRPr lang="sr-Latn-RS" dirty="0"/>
+          </a:p>
+          <a:p>
+            <a:r>
+              <a:rPr lang="sr-Latn-RS" dirty="0" smtClean="0"/>
+              <a:t>Multi</a:t>
+            </a:r>
+            <a:r>
+              <a:rPr lang="en-US" dirty="0" smtClean="0"/>
+              <a:t>-query</a:t>
+            </a:r>
+          </a:p>
+          <a:p>
+            <a:r>
+              <a:rPr lang="en-US" dirty="0" smtClean="0"/>
+              <a:t>RAG Fusion</a:t>
+            </a:r>
+          </a:p>
+          <a:p>
+            <a:r>
+              <a:rPr lang="en-US" dirty="0" err="1" smtClean="0"/>
+              <a:t>Decompositon</a:t>
+            </a:r>
+            <a:endParaRPr lang="en-US" dirty="0" smtClean="0"/>
+          </a:p>
+          <a:p>
+            <a:r>
+              <a:rPr lang="en-US" dirty="0" smtClean="0"/>
+              <a:t>Step-back prompting</a:t>
+            </a:r>
+          </a:p>
+          <a:p>
+            <a:r>
+              <a:rPr lang="en-US" dirty="0" err="1" smtClean="0"/>
+              <a:t>HyDE</a:t>
+            </a:r>
+            <a:endParaRPr lang="en-US" dirty="0"/>
+          </a:p>
+        </p:txBody>
+      </p:sp>
+      <p:sp>
+        <p:nvSpPr>
+          <p:cNvPr id="4" name="Title 1"/>
+          <p:cNvSpPr txBox="1">
+            <a:spLocks/>
+          </p:cNvSpPr>
+          <p:nvPr/>
+        </p:nvSpPr>
+        <p:spPr>
+          <a:xfrm>
+            <a:off x="677335" y="127377"/>
+            <a:ext cx="8854592" cy="860914"/>
+          </a:xfrm>
+          <a:prstGeom prst="rect">
+            <a:avLst/>
+          </a:prstGeom>
+        </p:spPr>
+        <p:txBody>
+          <a:bodyPr vert="horz" lIns="91440" tIns="45720" rIns="91440" bIns="45720" rtlCol="0" anchor="t">
+            <a:normAutofit fontScale="90000"/>
+          </a:bodyPr>
+          <a:lstStyle>
+            <a:lvl1pPr algn="l" defTabSz="457200" rtl="0" eaLnBrk="1" latinLnBrk="0" hangingPunct="1">
+              <a:spcBef>
+                <a:spcPct val="0"/>
+              </a:spcBef>
+              <a:buNone/>
+              <a:defRPr sz="3600" kern="1200">
+                <a:solidFill>
+                  <a:schemeClr val="accent1"/>
+                </a:solidFill>
+                <a:latin typeface="+mj-lt"/>
+                <a:ea typeface="+mj-ea"/>
+                <a:cs typeface="+mj-cs"/>
+              </a:defRPr>
+            </a:lvl1pPr>
+            <a:lvl2pPr eaLnBrk="1" hangingPunct="1">
+              <a:defRPr>
+                <a:solidFill>
+                  <a:schemeClr val="tx2"/>
+                </a:solidFill>
+              </a:defRPr>
+            </a:lvl2pPr>
+            <a:lvl3pPr eaLnBrk="1" hangingPunct="1">
+              <a:defRPr>
+                <a:solidFill>
+                  <a:schemeClr val="tx2"/>
+                </a:solidFill>
+              </a:defRPr>
+            </a:lvl3pPr>
+            <a:lvl4pPr eaLnBrk="1" hangingPunct="1">
+              <a:defRPr>
+                <a:solidFill>
+                  <a:schemeClr val="tx2"/>
+                </a:solidFill>
+              </a:defRPr>
+            </a:lvl4pPr>
+            <a:lvl5pPr eaLnBrk="1" hangingPunct="1">
+              <a:defRPr>
+                <a:solidFill>
+                  <a:schemeClr val="tx2"/>
+                </a:solidFill>
+              </a:defRPr>
+            </a:lvl5pPr>
+            <a:lvl6pPr eaLnBrk="1" hangingPunct="1">
+              <a:defRPr>
+                <a:solidFill>
+                  <a:schemeClr val="tx2"/>
+                </a:solidFill>
+              </a:defRPr>
+            </a:lvl6pPr>
+            <a:lvl7pPr eaLnBrk="1" hangingPunct="1">
+              <a:defRPr>
+                <a:solidFill>
+                  <a:schemeClr val="tx2"/>
+                </a:solidFill>
+              </a:defRPr>
+            </a:lvl7pPr>
+            <a:lvl8pPr eaLnBrk="1" hangingPunct="1">
+              <a:defRPr>
+                <a:solidFill>
+                  <a:schemeClr val="tx2"/>
+                </a:solidFill>
+              </a:defRPr>
+            </a:lvl8pPr>
+            <a:lvl9pPr eaLnBrk="1" hangingPunct="1">
+              <a:defRPr>
+                <a:solidFill>
+                  <a:schemeClr val="tx2"/>
+                </a:solidFill>
+              </a:defRPr>
+            </a:lvl9pPr>
+          </a:lstStyle>
+          <a:p>
+            <a:pPr algn="ctr"/>
+            <a:r>
+              <a:rPr lang="en-US" dirty="0" err="1" smtClean="0"/>
+              <a:t>Napredni</a:t>
+            </a:r>
+            <a:r>
+              <a:rPr lang="en-US" dirty="0" smtClean="0"/>
+              <a:t> RAG s</a:t>
+            </a:r>
+            <a:r>
+              <a:rPr lang="sr-Latn-RS" dirty="0" smtClean="0"/>
+              <a:t>i</a:t>
+            </a:r>
+            <a:r>
+              <a:rPr lang="en-US" dirty="0" smtClean="0"/>
+              <a:t>stem (Advanced RAG pipeline)</a:t>
+            </a:r>
+            <a:endParaRPr lang="en-US" dirty="0"/>
+          </a:p>
+        </p:txBody>
+      </p:sp>
+    </p:spTree>
+    <p:extLst>
+      <p:ext uri="{BB962C8B-B14F-4D97-AF65-F5344CB8AC3E}">
+        <p14:creationId xmlns:p14="http://schemas.microsoft.com/office/powerpoint/2010/main" val="3778409138"/>
+      </p:ext>
+    </p:extLst>
+  </p:cSld>
+  <p:clrMapOvr>
+    <a:masterClrMapping/>
+  </p:clrMapOvr>
+</p:sld>
+</file>
+
+<file path=ppt/slides/slide9.xml><?xml version="1.0" encoding="utf-8"?>
+<p:sld xmlns:a="http://schemas.openxmlformats.org/drawingml/2006/main" xmlns:r="http://schemas.openxmlformats.org/officeDocument/2006/relationships" xmlns:p="http://schemas.openxmlformats.org/presentationml/2006/main">
+  <p:cSld>
+    <p:spTree>
+      <p:nvGrpSpPr>
+        <p:cNvPr id="1" name=""/>
+        <p:cNvGrpSpPr/>
+        <p:nvPr/>
+      </p:nvGrpSpPr>
+      <p:grpSpPr>
+        <a:xfrm>
+          <a:off x="0" y="0"/>
+          <a:ext cx="0" cy="0"/>
+          <a:chOff x="0" y="0"/>
+          <a:chExt cx="0" cy="0"/>
+        </a:xfrm>
+      </p:grpSpPr>
+      <p:sp>
+        <p:nvSpPr>
+          <p:cNvPr id="3" name="Content Placeholder 2"/>
+          <p:cNvSpPr>
+            <a:spLocks noGrp="1"/>
+          </p:cNvSpPr>
+          <p:nvPr>
+            <p:ph idx="1"/>
+          </p:nvPr>
+        </p:nvSpPr>
+        <p:spPr>
+          <a:xfrm>
+            <a:off x="677333" y="2160589"/>
+            <a:ext cx="9196339" cy="3880773"/>
+          </a:xfrm>
+        </p:spPr>
+        <p:txBody>
+          <a:bodyPr/>
+          <a:lstStyle/>
+          <a:p>
+            <a:r>
+              <a:rPr lang="en-US" dirty="0" err="1" smtClean="0"/>
+              <a:t>Proces</a:t>
+            </a:r>
+            <a:r>
+              <a:rPr lang="en-US" dirty="0" smtClean="0"/>
+              <a:t> </a:t>
+            </a:r>
+            <a:r>
+              <a:rPr lang="en-US" dirty="0" err="1" smtClean="0"/>
+              <a:t>odlu</a:t>
+            </a:r>
+            <a:r>
+              <a:rPr lang="sr-Latn-RS" dirty="0" smtClean="0"/>
+              <a:t>čivanja koju bazu podataka</a:t>
+            </a:r>
+            <a:r>
+              <a:rPr lang="en-US" dirty="0" smtClean="0"/>
+              <a:t>/prompt </a:t>
+            </a:r>
+            <a:r>
+              <a:rPr lang="en-US" dirty="0" err="1" smtClean="0"/>
+              <a:t>koristiti</a:t>
+            </a:r>
+            <a:r>
+              <a:rPr lang="en-US" dirty="0" smtClean="0"/>
+              <a:t> </a:t>
+            </a:r>
+            <a:r>
+              <a:rPr lang="en-US" dirty="0" err="1" smtClean="0"/>
+              <a:t>na</a:t>
+            </a:r>
+            <a:r>
+              <a:rPr lang="en-US" dirty="0" smtClean="0"/>
+              <a:t> </a:t>
+            </a:r>
+            <a:r>
+              <a:rPr lang="en-US" dirty="0" err="1" smtClean="0"/>
+              <a:t>osnovu</a:t>
+            </a:r>
+            <a:r>
+              <a:rPr lang="en-US" dirty="0" smtClean="0"/>
+              <a:t> </a:t>
+            </a:r>
+            <a:r>
+              <a:rPr lang="en-US" dirty="0" err="1" smtClean="0"/>
+              <a:t>korisn</a:t>
+            </a:r>
+            <a:r>
+              <a:rPr lang="sr-Latn-RS" dirty="0" smtClean="0"/>
+              <a:t>ičkog upita</a:t>
+            </a:r>
+          </a:p>
+          <a:p>
+            <a:endParaRPr lang="sr-Latn-RS" dirty="0"/>
+          </a:p>
+          <a:p>
+            <a:endParaRPr lang="sr-Latn-RS" dirty="0" smtClean="0"/>
+          </a:p>
+          <a:p>
+            <a:r>
+              <a:rPr lang="sr-Latn-RS" dirty="0" smtClean="0"/>
+              <a:t>Logičko rutiranje</a:t>
+            </a:r>
+          </a:p>
+          <a:p>
+            <a:r>
+              <a:rPr lang="sr-Latn-RS" dirty="0" smtClean="0"/>
+              <a:t>Semantičko rutiranje</a:t>
+            </a:r>
+            <a:endParaRPr lang="en-US" dirty="0"/>
+          </a:p>
+        </p:txBody>
+      </p:sp>
+      <p:sp>
+        <p:nvSpPr>
+          <p:cNvPr id="4" name="Title 1"/>
+          <p:cNvSpPr txBox="1">
+            <a:spLocks/>
+          </p:cNvSpPr>
+          <p:nvPr/>
+        </p:nvSpPr>
+        <p:spPr>
+          <a:xfrm>
+            <a:off x="677335" y="127377"/>
+            <a:ext cx="8854592" cy="860914"/>
+          </a:xfrm>
+          <a:prstGeom prst="rect">
+            <a:avLst/>
+          </a:prstGeom>
+        </p:spPr>
+        <p:txBody>
+          <a:bodyPr vert="horz" lIns="91440" tIns="45720" rIns="91440" bIns="45720" rtlCol="0" anchor="t">
+            <a:normAutofit fontScale="90000"/>
+          </a:bodyPr>
+          <a:lstStyle>
+            <a:lvl1pPr algn="l" defTabSz="457200" rtl="0" eaLnBrk="1" latinLnBrk="0" hangingPunct="1">
+              <a:spcBef>
+                <a:spcPct val="0"/>
+              </a:spcBef>
+              <a:buNone/>
+              <a:defRPr sz="3600" kern="1200">
+                <a:solidFill>
+                  <a:schemeClr val="accent1"/>
+                </a:solidFill>
+                <a:latin typeface="+mj-lt"/>
+                <a:ea typeface="+mj-ea"/>
+                <a:cs typeface="+mj-cs"/>
+              </a:defRPr>
+            </a:lvl1pPr>
+            <a:lvl2pPr eaLnBrk="1" hangingPunct="1">
+              <a:defRPr>
+                <a:solidFill>
+                  <a:schemeClr val="tx2"/>
+                </a:solidFill>
+              </a:defRPr>
+            </a:lvl2pPr>
+            <a:lvl3pPr eaLnBrk="1" hangingPunct="1">
+              <a:defRPr>
+                <a:solidFill>
+                  <a:schemeClr val="tx2"/>
+                </a:solidFill>
+              </a:defRPr>
+            </a:lvl3pPr>
+            <a:lvl4pPr eaLnBrk="1" hangingPunct="1">
+              <a:defRPr>
+                <a:solidFill>
+                  <a:schemeClr val="tx2"/>
+                </a:solidFill>
+              </a:defRPr>
+            </a:lvl4pPr>
+            <a:lvl5pPr eaLnBrk="1" hangingPunct="1">
+              <a:defRPr>
+                <a:solidFill>
+                  <a:schemeClr val="tx2"/>
+                </a:solidFill>
+              </a:defRPr>
+            </a:lvl5pPr>
+            <a:lvl6pPr eaLnBrk="1" hangingPunct="1">
+              <a:defRPr>
+                <a:solidFill>
+                  <a:schemeClr val="tx2"/>
+                </a:solidFill>
+              </a:defRPr>
+            </a:lvl6pPr>
+            <a:lvl7pPr eaLnBrk="1" hangingPunct="1">
+              <a:defRPr>
+                <a:solidFill>
+                  <a:schemeClr val="tx2"/>
+                </a:solidFill>
+              </a:defRPr>
+            </a:lvl7pPr>
+            <a:lvl8pPr eaLnBrk="1" hangingPunct="1">
+              <a:defRPr>
+                <a:solidFill>
+                  <a:schemeClr val="tx2"/>
+                </a:solidFill>
+              </a:defRPr>
+            </a:lvl8pPr>
+            <a:lvl9pPr eaLnBrk="1" hangingPunct="1">
+              <a:defRPr>
+                <a:solidFill>
+                  <a:schemeClr val="tx2"/>
+                </a:solidFill>
+              </a:defRPr>
+            </a:lvl9pPr>
+          </a:lstStyle>
+          <a:p>
+            <a:pPr algn="ctr"/>
+            <a:r>
+              <a:rPr lang="en-US" dirty="0" err="1" smtClean="0"/>
+              <a:t>Napredni</a:t>
+            </a:r>
+            <a:r>
+              <a:rPr lang="en-US" dirty="0" smtClean="0"/>
+              <a:t> RAG s</a:t>
+            </a:r>
+            <a:r>
+              <a:rPr lang="sr-Latn-RS" dirty="0" smtClean="0"/>
+              <a:t>i</a:t>
+            </a:r>
+            <a:r>
+              <a:rPr lang="en-US" dirty="0" smtClean="0"/>
+              <a:t>stem (Advanced RAG pipeline)</a:t>
+            </a:r>
+            <a:endParaRPr lang="en-US" dirty="0"/>
+          </a:p>
+        </p:txBody>
+      </p:sp>
+      <p:sp>
+        <p:nvSpPr>
+          <p:cNvPr id="5" name="Title 1"/>
+          <p:cNvSpPr>
+            <a:spLocks noGrp="1"/>
+          </p:cNvSpPr>
+          <p:nvPr>
+            <p:ph type="title"/>
+          </p:nvPr>
+        </p:nvSpPr>
+        <p:spPr>
+          <a:xfrm>
+            <a:off x="677334" y="839789"/>
+            <a:ext cx="8596668" cy="1320800"/>
+          </a:xfrm>
+        </p:spPr>
+        <p:txBody>
+          <a:bodyPr>
+            <a:normAutofit/>
+          </a:bodyPr>
+          <a:lstStyle/>
+          <a:p>
+            <a:pPr algn="ctr"/>
+            <a:r>
+              <a:rPr lang="en-US" sz="2800" dirty="0" err="1" smtClean="0"/>
+              <a:t>Rutiranje</a:t>
+            </a:r>
+            <a:r>
+              <a:rPr lang="en-US" sz="2800" dirty="0" smtClean="0"/>
+              <a:t> (Routing)</a:t>
+            </a:r>
+            <a:endParaRPr lang="en-US" sz="2800" dirty="0"/>
+          </a:p>
+        </p:txBody>
+      </p:sp>
+    </p:spTree>
+    <p:extLst>
+      <p:ext uri="{BB962C8B-B14F-4D97-AF65-F5344CB8AC3E}">
+        <p14:creationId xmlns:p14="http://schemas.microsoft.com/office/powerpoint/2010/main" val="1790811260"/>
       </p:ext>
     </p:extLst>
   </p:cSld>
